--- a/Group6_Crime_Data.pptx
+++ b/Group6_Crime_Data.pptx
@@ -7643,7 +7643,10 @@
           <a:bodyPr/>
           <a:lstStyle/>
           <a:p>
-            <a:endParaRPr lang="en-US" dirty="0"/>
+            <a:r>
+              <a:rPr lang="en-US" dirty="0"/>
+              <a:t>Dallas Crime</a:t>
+            </a:r>
           </a:p>
         </p:txBody>
       </p:sp>
@@ -7678,8 +7681,13 @@
             </a:r>
             <a:r>
               <a:rPr lang="en-US" dirty="0"/>
-              <a:t>, Viswanathan Sub, Jon Patterson, Brandon Wepking, Jay</a:t>
-            </a:r>
+              <a:t>, Viswanathan Subramanian, Jon Patterson, Brandon Wepking, Jay </a:t>
+            </a:r>
+            <a:r>
+              <a:rPr lang="en-US" dirty="0" err="1"/>
+              <a:t>Streff</a:t>
+            </a:r>
+            <a:endParaRPr lang="en-US" dirty="0"/>
           </a:p>
         </p:txBody>
       </p:sp>
@@ -7767,20 +7775,38 @@
               <a:t>2017 There was Dallas murder that sparked interest in looking at Dallas crime data.</a:t>
             </a:r>
           </a:p>
-          <a:p>
-            <a:r>
-              <a:rPr lang="en-US" dirty="0"/>
-              <a:t>Heat map, crime intensity</a:t>
-            </a:r>
-          </a:p>
-          <a:p>
-            <a:r>
-              <a:rPr lang="en-US" dirty="0"/>
-              <a:t>Rates of crimes over time(any amount of time)</a:t>
-            </a:r>
-          </a:p>
-        </p:txBody>
-      </p:sp>
+        </p:txBody>
+      </p:sp>
+      <p:pic>
+        <p:nvPicPr>
+          <p:cNvPr id="4" name="Picture 3">
+            <a:extLst>
+              <a:ext uri="{FF2B5EF4-FFF2-40B4-BE49-F238E27FC236}">
+                <a16:creationId xmlns:a16="http://schemas.microsoft.com/office/drawing/2014/main" id="{CACDB0B9-80BA-42F3-BC61-225464C46FA1}"/>
+              </a:ext>
+            </a:extLst>
+          </p:cNvPr>
+          <p:cNvPicPr>
+            <a:picLocks noChangeAspect="1"/>
+          </p:cNvPicPr>
+          <p:nvPr/>
+        </p:nvPicPr>
+        <p:blipFill>
+          <a:blip r:embed="rId2"/>
+          <a:stretch>
+            <a:fillRect/>
+          </a:stretch>
+        </p:blipFill>
+        <p:spPr>
+          <a:xfrm>
+            <a:off x="6162675" y="3000128"/>
+            <a:ext cx="4890696" cy="3233762"/>
+          </a:xfrm>
+          <a:prstGeom prst="rect">
+            <a:avLst/>
+          </a:prstGeom>
+        </p:spPr>
+      </p:pic>
     </p:spTree>
     <p:extLst>
       <p:ext uri="{BB962C8B-B14F-4D97-AF65-F5344CB8AC3E}">
@@ -7832,7 +7858,10 @@
           <a:bodyPr/>
           <a:lstStyle/>
           <a:p>
-            <a:endParaRPr lang="en-US"/>
+            <a:r>
+              <a:rPr lang="en-US" dirty="0"/>
+              <a:t>Ideas</a:t>
+            </a:r>
           </a:p>
         </p:txBody>
       </p:sp>
@@ -7857,7 +7886,19 @@
           <a:bodyPr/>
           <a:lstStyle/>
           <a:p>
-            <a:endParaRPr lang="en-US"/>
+            <a:r>
+              <a:rPr lang="en-US" dirty="0"/>
+              <a:t>Heat map, crime intensity</a:t>
+            </a:r>
+          </a:p>
+          <a:p>
+            <a:r>
+              <a:rPr lang="en-US" dirty="0"/>
+              <a:t>Rates of crimes over time(any amount of time)</a:t>
+            </a:r>
+          </a:p>
+          <a:p>
+            <a:endParaRPr lang="en-US" dirty="0"/>
           </a:p>
         </p:txBody>
       </p:sp>
